--- a/EV3Hub.pptx
+++ b/EV3Hub.pptx
@@ -2743,17 +2743,7 @@
                   </a:schemeClr>
                 </a:solidFill>
               </a:rPr>
-              <a:t>Max </a:t>
-            </a:r>
-            <a:r>
-              <a:rPr lang="en-US" dirty="0" smtClean="0">
-                <a:solidFill>
-                  <a:schemeClr val="accent1">
-                    <a:lumMod val="75000"/>
-                  </a:schemeClr>
-                </a:solidFill>
-              </a:rPr>
-              <a:t>Bluetooth Connections:</a:t>
+              <a:t>Max Bluetooth Connections:</a:t>
             </a:r>
           </a:p>
           <a:p>
@@ -2785,17 +2775,7 @@
                   </a:schemeClr>
                 </a:solidFill>
               </a:rPr>
-              <a:t>1 to </a:t>
-            </a:r>
-            <a:r>
-              <a:rPr lang="en-US" dirty="0" smtClean="0">
-                <a:solidFill>
-                  <a:schemeClr val="accent1">
-                    <a:lumMod val="75000"/>
-                  </a:schemeClr>
-                </a:solidFill>
-              </a:rPr>
-              <a:t>PC</a:t>
+              <a:t>1 to PC</a:t>
             </a:r>
           </a:p>
         </p:txBody>
@@ -5197,7 +5177,7 @@
                   <a:srgbClr val="C00000"/>
                 </a:solidFill>
               </a:rPr>
-              <a:t>Possibility of installing telnet on EV3</a:t>
+              <a:t>Telnet</a:t>
             </a:r>
             <a:endParaRPr lang="en-US" b="1" dirty="0">
               <a:solidFill>
@@ -7791,45 +7771,6 @@
       </p:cxnSp>
       <p:sp>
         <p:nvSpPr>
-          <p:cNvPr id="186" name="TextBox 185"/>
-          <p:cNvSpPr txBox="1"/>
-          <p:nvPr/>
-        </p:nvSpPr>
-        <p:spPr>
-          <a:xfrm>
-            <a:off x="518525" y="-27523"/>
-            <a:ext cx="4258750" cy="369332"/>
-          </a:xfrm>
-          <a:prstGeom prst="rect">
-            <a:avLst/>
-          </a:prstGeom>
-          <a:noFill/>
-        </p:spPr>
-        <p:txBody>
-          <a:bodyPr wrap="square" rtlCol="0">
-            <a:spAutoFit/>
-          </a:bodyPr>
-          <a:lstStyle/>
-          <a:p>
-            <a:pPr algn="ctr"/>
-            <a:r>
-              <a:rPr lang="en-US" b="1" dirty="0" smtClean="0">
-                <a:solidFill>
-                  <a:srgbClr val="C00000"/>
-                </a:solidFill>
-              </a:rPr>
-              <a:t>Possibility of installing telnet on EV3</a:t>
-            </a:r>
-            <a:endParaRPr lang="en-US" b="1" dirty="0">
-              <a:solidFill>
-                <a:srgbClr val="C00000"/>
-              </a:solidFill>
-            </a:endParaRPr>
-          </a:p>
-        </p:txBody>
-      </p:sp>
-      <p:sp>
-        <p:nvSpPr>
           <p:cNvPr id="188" name="TextBox 187"/>
           <p:cNvSpPr txBox="1"/>
           <p:nvPr/>
@@ -8271,6 +8212,45 @@
           </a:fontRef>
         </p:style>
       </p:cxnSp>
+      <p:sp>
+        <p:nvSpPr>
+          <p:cNvPr id="61" name="TextBox 60"/>
+          <p:cNvSpPr txBox="1"/>
+          <p:nvPr/>
+        </p:nvSpPr>
+        <p:spPr>
+          <a:xfrm>
+            <a:off x="518525" y="-27523"/>
+            <a:ext cx="4258750" cy="369332"/>
+          </a:xfrm>
+          <a:prstGeom prst="rect">
+            <a:avLst/>
+          </a:prstGeom>
+          <a:noFill/>
+        </p:spPr>
+        <p:txBody>
+          <a:bodyPr wrap="square" rtlCol="0">
+            <a:spAutoFit/>
+          </a:bodyPr>
+          <a:lstStyle/>
+          <a:p>
+            <a:pPr algn="ctr"/>
+            <a:r>
+              <a:rPr lang="en-US" b="1" dirty="0" smtClean="0">
+                <a:solidFill>
+                  <a:srgbClr val="C00000"/>
+                </a:solidFill>
+              </a:rPr>
+              <a:t>Telnet</a:t>
+            </a:r>
+            <a:endParaRPr lang="en-US" b="1" dirty="0">
+              <a:solidFill>
+                <a:srgbClr val="C00000"/>
+              </a:solidFill>
+            </a:endParaRPr>
+          </a:p>
+        </p:txBody>
+      </p:sp>
     </p:spTree>
     <p:extLst>
       <p:ext uri="{BB962C8B-B14F-4D97-AF65-F5344CB8AC3E}">
@@ -10333,45 +10313,6 @@
       </p:sp>
       <p:sp>
         <p:nvSpPr>
-          <p:cNvPr id="67" name="TextBox 66"/>
-          <p:cNvSpPr txBox="1"/>
-          <p:nvPr/>
-        </p:nvSpPr>
-        <p:spPr>
-          <a:xfrm>
-            <a:off x="518525" y="-27523"/>
-            <a:ext cx="4258750" cy="369332"/>
-          </a:xfrm>
-          <a:prstGeom prst="rect">
-            <a:avLst/>
-          </a:prstGeom>
-          <a:noFill/>
-        </p:spPr>
-        <p:txBody>
-          <a:bodyPr wrap="square" rtlCol="0">
-            <a:spAutoFit/>
-          </a:bodyPr>
-          <a:lstStyle/>
-          <a:p>
-            <a:pPr algn="ctr"/>
-            <a:r>
-              <a:rPr lang="en-US" b="1" dirty="0" smtClean="0">
-                <a:solidFill>
-                  <a:srgbClr val="C00000"/>
-                </a:solidFill>
-              </a:rPr>
-              <a:t>Possibility of installing telnet on EV3</a:t>
-            </a:r>
-            <a:endParaRPr lang="en-US" b="1" dirty="0">
-              <a:solidFill>
-                <a:srgbClr val="C00000"/>
-              </a:solidFill>
-            </a:endParaRPr>
-          </a:p>
-        </p:txBody>
-      </p:sp>
-      <p:sp>
-        <p:nvSpPr>
           <p:cNvPr id="68" name="TextBox 67"/>
           <p:cNvSpPr txBox="1"/>
           <p:nvPr/>
@@ -10924,6 +10865,45 @@
           </a:fontRef>
         </p:style>
       </p:cxnSp>
+      <p:sp>
+        <p:nvSpPr>
+          <p:cNvPr id="66" name="TextBox 65"/>
+          <p:cNvSpPr txBox="1"/>
+          <p:nvPr/>
+        </p:nvSpPr>
+        <p:spPr>
+          <a:xfrm>
+            <a:off x="518525" y="-27523"/>
+            <a:ext cx="4258750" cy="369332"/>
+          </a:xfrm>
+          <a:prstGeom prst="rect">
+            <a:avLst/>
+          </a:prstGeom>
+          <a:noFill/>
+        </p:spPr>
+        <p:txBody>
+          <a:bodyPr wrap="square" rtlCol="0">
+            <a:spAutoFit/>
+          </a:bodyPr>
+          <a:lstStyle/>
+          <a:p>
+            <a:pPr algn="ctr"/>
+            <a:r>
+              <a:rPr lang="en-US" b="1" dirty="0" smtClean="0">
+                <a:solidFill>
+                  <a:srgbClr val="C00000"/>
+                </a:solidFill>
+              </a:rPr>
+              <a:t>Telnet</a:t>
+            </a:r>
+            <a:endParaRPr lang="en-US" b="1" dirty="0">
+              <a:solidFill>
+                <a:srgbClr val="C00000"/>
+              </a:solidFill>
+            </a:endParaRPr>
+          </a:p>
+        </p:txBody>
+      </p:sp>
     </p:spTree>
     <p:extLst>
       <p:ext uri="{BB962C8B-B14F-4D97-AF65-F5344CB8AC3E}">
@@ -13398,45 +13378,6 @@
       </p:sp>
       <p:sp>
         <p:nvSpPr>
-          <p:cNvPr id="67" name="TextBox 66"/>
-          <p:cNvSpPr txBox="1"/>
-          <p:nvPr/>
-        </p:nvSpPr>
-        <p:spPr>
-          <a:xfrm>
-            <a:off x="518525" y="-27523"/>
-            <a:ext cx="4258750" cy="369332"/>
-          </a:xfrm>
-          <a:prstGeom prst="rect">
-            <a:avLst/>
-          </a:prstGeom>
-          <a:noFill/>
-        </p:spPr>
-        <p:txBody>
-          <a:bodyPr wrap="square" rtlCol="0">
-            <a:spAutoFit/>
-          </a:bodyPr>
-          <a:lstStyle/>
-          <a:p>
-            <a:pPr algn="ctr"/>
-            <a:r>
-              <a:rPr lang="en-US" b="1" dirty="0" smtClean="0">
-                <a:solidFill>
-                  <a:srgbClr val="C00000"/>
-                </a:solidFill>
-              </a:rPr>
-              <a:t>Possibility of installing telnet on EV3</a:t>
-            </a:r>
-            <a:endParaRPr lang="en-US" b="1" dirty="0">
-              <a:solidFill>
-                <a:srgbClr val="C00000"/>
-              </a:solidFill>
-            </a:endParaRPr>
-          </a:p>
-        </p:txBody>
-      </p:sp>
-      <p:sp>
-        <p:nvSpPr>
           <p:cNvPr id="68" name="TextBox 67"/>
           <p:cNvSpPr txBox="1"/>
           <p:nvPr/>
@@ -13620,6 +13561,45 @@
           </a:fontRef>
         </p:style>
       </p:cxnSp>
+      <p:sp>
+        <p:nvSpPr>
+          <p:cNvPr id="71" name="TextBox 70"/>
+          <p:cNvSpPr txBox="1"/>
+          <p:nvPr/>
+        </p:nvSpPr>
+        <p:spPr>
+          <a:xfrm>
+            <a:off x="518525" y="-27523"/>
+            <a:ext cx="4258750" cy="369332"/>
+          </a:xfrm>
+          <a:prstGeom prst="rect">
+            <a:avLst/>
+          </a:prstGeom>
+          <a:noFill/>
+        </p:spPr>
+        <p:txBody>
+          <a:bodyPr wrap="square" rtlCol="0">
+            <a:spAutoFit/>
+          </a:bodyPr>
+          <a:lstStyle/>
+          <a:p>
+            <a:pPr algn="ctr"/>
+            <a:r>
+              <a:rPr lang="en-US" b="1" dirty="0" smtClean="0">
+                <a:solidFill>
+                  <a:srgbClr val="C00000"/>
+                </a:solidFill>
+              </a:rPr>
+              <a:t>Telnet</a:t>
+            </a:r>
+            <a:endParaRPr lang="en-US" b="1" dirty="0">
+              <a:solidFill>
+                <a:srgbClr val="C00000"/>
+              </a:solidFill>
+            </a:endParaRPr>
+          </a:p>
+        </p:txBody>
+      </p:sp>
     </p:spTree>
     <p:extLst>
       <p:ext uri="{BB962C8B-B14F-4D97-AF65-F5344CB8AC3E}">
